--- a/contato atualizado/pweveling.pptx
+++ b/contato atualizado/pweveling.pptx
@@ -249,7 +249,7 @@
           <a:p>
             <a:fld id="{5934A1C5-EC94-46AE-AEB0-99366497703A}" type="datetimeFigureOut">
               <a:rPr lang="pt-BR" smtClean="0"/>
-              <a:t>12/11/2019</a:t>
+              <a:t>13/11/2019</a:t>
             </a:fld>
             <a:endParaRPr lang="pt-BR"/>
           </a:p>
@@ -419,7 +419,7 @@
           <a:p>
             <a:fld id="{5934A1C5-EC94-46AE-AEB0-99366497703A}" type="datetimeFigureOut">
               <a:rPr lang="pt-BR" smtClean="0"/>
-              <a:t>12/11/2019</a:t>
+              <a:t>13/11/2019</a:t>
             </a:fld>
             <a:endParaRPr lang="pt-BR"/>
           </a:p>
@@ -599,7 +599,7 @@
           <a:p>
             <a:fld id="{5934A1C5-EC94-46AE-AEB0-99366497703A}" type="datetimeFigureOut">
               <a:rPr lang="pt-BR" smtClean="0"/>
-              <a:t>12/11/2019</a:t>
+              <a:t>13/11/2019</a:t>
             </a:fld>
             <a:endParaRPr lang="pt-BR"/>
           </a:p>
@@ -769,7 +769,7 @@
           <a:p>
             <a:fld id="{5934A1C5-EC94-46AE-AEB0-99366497703A}" type="datetimeFigureOut">
               <a:rPr lang="pt-BR" smtClean="0"/>
-              <a:t>12/11/2019</a:t>
+              <a:t>13/11/2019</a:t>
             </a:fld>
             <a:endParaRPr lang="pt-BR"/>
           </a:p>
@@ -1015,7 +1015,7 @@
           <a:p>
             <a:fld id="{5934A1C5-EC94-46AE-AEB0-99366497703A}" type="datetimeFigureOut">
               <a:rPr lang="pt-BR" smtClean="0"/>
-              <a:t>12/11/2019</a:t>
+              <a:t>13/11/2019</a:t>
             </a:fld>
             <a:endParaRPr lang="pt-BR"/>
           </a:p>
@@ -1247,7 +1247,7 @@
           <a:p>
             <a:fld id="{5934A1C5-EC94-46AE-AEB0-99366497703A}" type="datetimeFigureOut">
               <a:rPr lang="pt-BR" smtClean="0"/>
-              <a:t>12/11/2019</a:t>
+              <a:t>13/11/2019</a:t>
             </a:fld>
             <a:endParaRPr lang="pt-BR"/>
           </a:p>
@@ -1614,7 +1614,7 @@
           <a:p>
             <a:fld id="{5934A1C5-EC94-46AE-AEB0-99366497703A}" type="datetimeFigureOut">
               <a:rPr lang="pt-BR" smtClean="0"/>
-              <a:t>12/11/2019</a:t>
+              <a:t>13/11/2019</a:t>
             </a:fld>
             <a:endParaRPr lang="pt-BR"/>
           </a:p>
@@ -1732,7 +1732,7 @@
           <a:p>
             <a:fld id="{5934A1C5-EC94-46AE-AEB0-99366497703A}" type="datetimeFigureOut">
               <a:rPr lang="pt-BR" smtClean="0"/>
-              <a:t>12/11/2019</a:t>
+              <a:t>13/11/2019</a:t>
             </a:fld>
             <a:endParaRPr lang="pt-BR"/>
           </a:p>
@@ -1827,7 +1827,7 @@
           <a:p>
             <a:fld id="{5934A1C5-EC94-46AE-AEB0-99366497703A}" type="datetimeFigureOut">
               <a:rPr lang="pt-BR" smtClean="0"/>
-              <a:t>12/11/2019</a:t>
+              <a:t>13/11/2019</a:t>
             </a:fld>
             <a:endParaRPr lang="pt-BR"/>
           </a:p>
@@ -2104,7 +2104,7 @@
           <a:p>
             <a:fld id="{5934A1C5-EC94-46AE-AEB0-99366497703A}" type="datetimeFigureOut">
               <a:rPr lang="pt-BR" smtClean="0"/>
-              <a:t>12/11/2019</a:t>
+              <a:t>13/11/2019</a:t>
             </a:fld>
             <a:endParaRPr lang="pt-BR"/>
           </a:p>
@@ -2357,7 +2357,7 @@
           <a:p>
             <a:fld id="{5934A1C5-EC94-46AE-AEB0-99366497703A}" type="datetimeFigureOut">
               <a:rPr lang="pt-BR" smtClean="0"/>
-              <a:t>12/11/2019</a:t>
+              <a:t>13/11/2019</a:t>
             </a:fld>
             <a:endParaRPr lang="pt-BR"/>
           </a:p>
@@ -2570,7 +2570,7 @@
           <a:p>
             <a:fld id="{5934A1C5-EC94-46AE-AEB0-99366497703A}" type="datetimeFigureOut">
               <a:rPr lang="pt-BR" smtClean="0"/>
-              <a:t>12/11/2019</a:t>
+              <a:t>13/11/2019</a:t>
             </a:fld>
             <a:endParaRPr lang="pt-BR"/>
           </a:p>
@@ -3034,11 +3034,7 @@
             <a:pPr algn="ctr"/>
             <a:r>
               <a:rPr lang="pt-BR" sz="6000" dirty="0" smtClean="0"/>
-              <a:t>Evelyn </a:t>
-            </a:r>
-            <a:r>
-              <a:rPr lang="pt-BR" sz="6000" dirty="0" smtClean="0"/>
-              <a:t>Santos</a:t>
+              <a:t>Evelyn Santos</a:t>
             </a:r>
           </a:p>
           <a:p>
@@ -3129,7 +3125,7 @@
       </p:pic>
       <p:pic>
         <p:nvPicPr>
-          <p:cNvPr id="3" name="Imagem 2"/>
+          <p:cNvPr id="4" name="Imagem 3"/>
           <p:cNvPicPr>
             <a:picLocks noChangeAspect="1"/>
           </p:cNvPicPr>
@@ -3149,17 +3145,47 @@
         </p:blipFill>
         <p:spPr>
           <a:xfrm>
-            <a:off x="596643" y="539863"/>
-            <a:ext cx="5148996" cy="5962691"/>
+            <a:off x="7566102" y="100298"/>
+            <a:ext cx="3676663" cy="3676663"/>
           </a:xfrm>
           <a:prstGeom prst="rect">
             <a:avLst/>
           </a:prstGeom>
         </p:spPr>
       </p:pic>
+      <p:cxnSp>
+        <p:nvCxnSpPr>
+          <p:cNvPr id="9" name="Conector reto 8"/>
+          <p:cNvCxnSpPr/>
+          <p:nvPr/>
+        </p:nvCxnSpPr>
+        <p:spPr>
+          <a:xfrm flipV="1">
+            <a:off x="5446905" y="0"/>
+            <a:ext cx="2119197" cy="6691087"/>
+          </a:xfrm>
+          <a:prstGeom prst="line">
+            <a:avLst/>
+          </a:prstGeom>
+        </p:spPr>
+        <p:style>
+          <a:lnRef idx="1">
+            <a:schemeClr val="accent1"/>
+          </a:lnRef>
+          <a:fillRef idx="0">
+            <a:schemeClr val="accent1"/>
+          </a:fillRef>
+          <a:effectRef idx="0">
+            <a:schemeClr val="accent1"/>
+          </a:effectRef>
+          <a:fontRef idx="minor">
+            <a:schemeClr val="tx1"/>
+          </a:fontRef>
+        </p:style>
+      </p:cxnSp>
       <p:pic>
         <p:nvPicPr>
-          <p:cNvPr id="4" name="Imagem 3"/>
+          <p:cNvPr id="3" name="Imagem 2"/>
           <p:cNvPicPr>
             <a:picLocks noChangeAspect="1"/>
           </p:cNvPicPr>
@@ -3179,8 +3205,8 @@
         </p:blipFill>
         <p:spPr>
           <a:xfrm>
-            <a:off x="7258640" y="-433931"/>
-            <a:ext cx="3676663" cy="3676663"/>
+            <a:off x="553100" y="496321"/>
+            <a:ext cx="5129402" cy="5940000"/>
           </a:xfrm>
           <a:prstGeom prst="rect">
             <a:avLst/>
@@ -3258,36 +3284,6 @@
           <a:chExt cx="0" cy="0"/>
         </a:xfrm>
       </p:grpSpPr>
-      <p:cxnSp>
-        <p:nvCxnSpPr>
-          <p:cNvPr id="8" name="Conector reto 7"/>
-          <p:cNvCxnSpPr/>
-          <p:nvPr/>
-        </p:nvCxnSpPr>
-        <p:spPr>
-          <a:xfrm flipH="1">
-            <a:off x="5495642" y="59179"/>
-            <a:ext cx="3601330" cy="6858000"/>
-          </a:xfrm>
-          <a:prstGeom prst="line">
-            <a:avLst/>
-          </a:prstGeom>
-        </p:spPr>
-        <p:style>
-          <a:lnRef idx="1">
-            <a:schemeClr val="accent1"/>
-          </a:lnRef>
-          <a:fillRef idx="0">
-            <a:schemeClr val="accent1"/>
-          </a:fillRef>
-          <a:effectRef idx="0">
-            <a:schemeClr val="accent1"/>
-          </a:effectRef>
-          <a:fontRef idx="minor">
-            <a:schemeClr val="tx1"/>
-          </a:fontRef>
-        </p:style>
-      </p:cxnSp>
       <p:sp>
         <p:nvSpPr>
           <p:cNvPr id="10" name="CaixaDeTexto 9"/>
@@ -3296,7 +3292,7 @@
         </p:nvSpPr>
         <p:spPr>
           <a:xfrm>
-            <a:off x="7198284" y="4180447"/>
+            <a:off x="7591984" y="3256663"/>
             <a:ext cx="4993716" cy="1508105"/>
           </a:xfrm>
           <a:prstGeom prst="rect">
@@ -3318,7 +3314,11 @@
           <a:p>
             <a:r>
               <a:rPr lang="pt-BR" sz="3200" dirty="0" smtClean="0"/>
-              <a:t>                  </a:t>
+              <a:t>     </a:t>
+            </a:r>
+            <a:r>
+              <a:rPr lang="pt-BR" sz="3200" dirty="0" smtClean="0"/>
+              <a:t> </a:t>
             </a:r>
             <a:r>
               <a:rPr lang="pt-BR" sz="3200" b="1" dirty="0" err="1"/>
@@ -3344,7 +3344,7 @@
         </p:nvSpPr>
         <p:spPr>
           <a:xfrm>
-            <a:off x="9441989" y="5657671"/>
+            <a:off x="9149889" y="5229719"/>
             <a:ext cx="2750011" cy="1200329"/>
           </a:xfrm>
           <a:prstGeom prst="rect">
@@ -3409,8 +3409,8 @@
         </p:blipFill>
         <p:spPr>
           <a:xfrm>
-            <a:off x="8927368" y="6163346"/>
-            <a:ext cx="339208" cy="339208"/>
+            <a:off x="8559067" y="5765800"/>
+            <a:ext cx="419681" cy="419681"/>
           </a:xfrm>
           <a:prstGeom prst="rect">
             <a:avLst/>
@@ -3439,8 +3439,8 @@
         </p:blipFill>
         <p:spPr>
           <a:xfrm>
-            <a:off x="9266576" y="902126"/>
-            <a:ext cx="1905266" cy="1905266"/>
+            <a:off x="7687504" y="208050"/>
+            <a:ext cx="3437695" cy="3158142"/>
           </a:xfrm>
           <a:prstGeom prst="rect">
             <a:avLst/>
@@ -3548,36 +3548,6 @@
           <a:chExt cx="0" cy="0"/>
         </a:xfrm>
       </p:grpSpPr>
-      <p:cxnSp>
-        <p:nvCxnSpPr>
-          <p:cNvPr id="8" name="Conector reto 7"/>
-          <p:cNvCxnSpPr/>
-          <p:nvPr/>
-        </p:nvCxnSpPr>
-        <p:spPr>
-          <a:xfrm flipH="1">
-            <a:off x="5495642" y="59179"/>
-            <a:ext cx="3601330" cy="6858000"/>
-          </a:xfrm>
-          <a:prstGeom prst="line">
-            <a:avLst/>
-          </a:prstGeom>
-        </p:spPr>
-        <p:style>
-          <a:lnRef idx="1">
-            <a:schemeClr val="accent1"/>
-          </a:lnRef>
-          <a:fillRef idx="0">
-            <a:schemeClr val="accent1"/>
-          </a:fillRef>
-          <a:effectRef idx="0">
-            <a:schemeClr val="accent1"/>
-          </a:effectRef>
-          <a:fontRef idx="minor">
-            <a:schemeClr val="tx1"/>
-          </a:fontRef>
-        </p:style>
-      </p:cxnSp>
       <p:sp>
         <p:nvSpPr>
           <p:cNvPr id="10" name="CaixaDeTexto 9"/>
@@ -3728,7 +3698,7 @@
         </p:blipFill>
         <p:spPr>
           <a:xfrm>
-            <a:off x="332295" y="5305202"/>
+            <a:off x="8739220" y="479202"/>
             <a:ext cx="1905266" cy="1905266"/>
           </a:xfrm>
           <a:prstGeom prst="rect">
@@ -3758,8 +3728,8 @@
         </p:blipFill>
         <p:spPr>
           <a:xfrm>
-            <a:off x="1723477" y="352818"/>
-            <a:ext cx="4286250" cy="4701782"/>
+            <a:off x="783677" y="479202"/>
+            <a:ext cx="4286250" cy="5684144"/>
           </a:xfrm>
           <a:prstGeom prst="rect">
             <a:avLst/>
@@ -4639,6 +4609,13 @@
   <p:clrMapOvr>
     <a:masterClrMapping/>
   </p:clrMapOvr>
+  <p:timing>
+    <p:tnLst>
+      <p:par>
+        <p:cTn id="1" dur="indefinite" restart="never" nodeType="tmRoot"/>
+      </p:par>
+    </p:tnLst>
+  </p:timing>
 </p:sld>
 </file>
 
